--- a/Призентация диплом WIP.pptx
+++ b/Призентация диплом WIP.pptx
@@ -114,6 +114,11 @@
       </a:defRPr>
     </a:lvl9pPr>
   </p:defaultTextStyle>
+  <p:extLst>
+    <p:ext uri="{EFAFB233-063F-42B5-8137-9DF3F51BA10A}">
+      <p15:sldGuideLst xmlns:p15="http://schemas.microsoft.com/office/powerpoint/2012/main"/>
+    </p:ext>
+  </p:extLst>
 </p:presentation>
 </file>
 
@@ -6718,7 +6723,6 @@
               <a:rPr lang="ru-RU" dirty="0"/>
               <a:t>Министерство образования Новосибирской области</a:t>
             </a:r>
-            <a:endParaRPr lang="ru-RU" dirty="0"/>
           </a:p>
           <a:p>
             <a:pPr algn="ctr"/>
@@ -6726,7 +6730,6 @@
               <a:rPr lang="ru-RU" dirty="0"/>
               <a:t>Государственное бюджетное профессиональное образовательное</a:t>
             </a:r>
-            <a:endParaRPr lang="ru-RU" dirty="0"/>
           </a:p>
           <a:p>
             <a:pPr algn="ctr"/>
@@ -6734,7 +6737,6 @@
               <a:rPr lang="ru-RU" dirty="0"/>
               <a:t>учреждение Новосибирской области</a:t>
             </a:r>
-            <a:endParaRPr lang="ru-RU" dirty="0"/>
           </a:p>
           <a:p>
             <a:pPr algn="ctr"/>
@@ -6843,13 +6845,19 @@
               <a:rPr lang="ru-RU" dirty="0" smtClean="0">
                 <a:latin typeface="Bahnschrift Light" panose="020B0502040204020203" pitchFamily="34" charset="0"/>
               </a:rPr>
-              <a:t>Спасибо за </a:t>
-            </a:r>
-            <a:r>
-              <a:rPr lang="ru-RU" dirty="0" err="1" smtClean="0">
+              <a:t>Спасибо </a:t>
+            </a:r>
+            <a:r>
+              <a:rPr lang="ru-RU" smtClean="0">
                 <a:latin typeface="Bahnschrift Light" panose="020B0502040204020203" pitchFamily="34" charset="0"/>
               </a:rPr>
-              <a:t>винмание</a:t>
+              <a:t>за </a:t>
+            </a:r>
+            <a:r>
+              <a:rPr lang="ru-RU" smtClean="0">
+                <a:latin typeface="Bahnschrift Light" panose="020B0502040204020203" pitchFamily="34" charset="0"/>
+              </a:rPr>
+              <a:t>внимание</a:t>
             </a:r>
             <a:endParaRPr lang="ru-RU" dirty="0">
               <a:latin typeface="Bahnschrift Light" panose="020B0502040204020203" pitchFamily="34" charset="0"/>
